--- a/修論/本文0105/figure/fig_3_1_10QW_broadcontact_Ith.pptx
+++ b/修論/本文0105/figure/fig_3_1_10QW_broadcontact_Ith.pptx
@@ -270,7 +270,7 @@
           <a:p>
             <a:fld id="{2921519D-86BB-414E-9FF5-E7DCE9E22D90}" type="datetimeFigureOut">
               <a:rPr kumimoji="1" lang="ja-JP" altLang="en-US" smtClean="0"/>
-              <a:t>2018/12/18</a:t>
+              <a:t>2019/1/10</a:t>
             </a:fld>
             <a:endParaRPr kumimoji="1" lang="ja-JP" altLang="en-US"/>
           </a:p>
@@ -500,7 +500,7 @@
           <a:p>
             <a:fld id="{2921519D-86BB-414E-9FF5-E7DCE9E22D90}" type="datetimeFigureOut">
               <a:rPr kumimoji="1" lang="ja-JP" altLang="en-US" smtClean="0"/>
-              <a:t>2018/12/18</a:t>
+              <a:t>2019/1/10</a:t>
             </a:fld>
             <a:endParaRPr kumimoji="1" lang="ja-JP" altLang="en-US"/>
           </a:p>
@@ -740,7 +740,7 @@
           <a:p>
             <a:fld id="{2921519D-86BB-414E-9FF5-E7DCE9E22D90}" type="datetimeFigureOut">
               <a:rPr kumimoji="1" lang="ja-JP" altLang="en-US" smtClean="0"/>
-              <a:t>2018/12/18</a:t>
+              <a:t>2019/1/10</a:t>
             </a:fld>
             <a:endParaRPr kumimoji="1" lang="ja-JP" altLang="en-US"/>
           </a:p>
@@ -970,7 +970,7 @@
           <a:p>
             <a:fld id="{2921519D-86BB-414E-9FF5-E7DCE9E22D90}" type="datetimeFigureOut">
               <a:rPr kumimoji="1" lang="ja-JP" altLang="en-US" smtClean="0"/>
-              <a:t>2018/12/18</a:t>
+              <a:t>2019/1/10</a:t>
             </a:fld>
             <a:endParaRPr kumimoji="1" lang="ja-JP" altLang="en-US"/>
           </a:p>
@@ -1245,7 +1245,7 @@
           <a:p>
             <a:fld id="{2921519D-86BB-414E-9FF5-E7DCE9E22D90}" type="datetimeFigureOut">
               <a:rPr kumimoji="1" lang="ja-JP" altLang="en-US" smtClean="0"/>
-              <a:t>2018/12/18</a:t>
+              <a:t>2019/1/10</a:t>
             </a:fld>
             <a:endParaRPr kumimoji="1" lang="ja-JP" altLang="en-US"/>
           </a:p>
@@ -1574,7 +1574,7 @@
           <a:p>
             <a:fld id="{2921519D-86BB-414E-9FF5-E7DCE9E22D90}" type="datetimeFigureOut">
               <a:rPr kumimoji="1" lang="ja-JP" altLang="en-US" smtClean="0"/>
-              <a:t>2018/12/18</a:t>
+              <a:t>2019/1/10</a:t>
             </a:fld>
             <a:endParaRPr kumimoji="1" lang="ja-JP" altLang="en-US"/>
           </a:p>
@@ -2050,7 +2050,7 @@
           <a:p>
             <a:fld id="{2921519D-86BB-414E-9FF5-E7DCE9E22D90}" type="datetimeFigureOut">
               <a:rPr kumimoji="1" lang="ja-JP" altLang="en-US" smtClean="0"/>
-              <a:t>2018/12/18</a:t>
+              <a:t>2019/1/10</a:t>
             </a:fld>
             <a:endParaRPr kumimoji="1" lang="ja-JP" altLang="en-US"/>
           </a:p>
@@ -2191,7 +2191,7 @@
           <a:p>
             <a:fld id="{2921519D-86BB-414E-9FF5-E7DCE9E22D90}" type="datetimeFigureOut">
               <a:rPr kumimoji="1" lang="ja-JP" altLang="en-US" smtClean="0"/>
-              <a:t>2018/12/18</a:t>
+              <a:t>2019/1/10</a:t>
             </a:fld>
             <a:endParaRPr kumimoji="1" lang="ja-JP" altLang="en-US"/>
           </a:p>
@@ -2304,7 +2304,7 @@
           <a:p>
             <a:fld id="{2921519D-86BB-414E-9FF5-E7DCE9E22D90}" type="datetimeFigureOut">
               <a:rPr kumimoji="1" lang="ja-JP" altLang="en-US" smtClean="0"/>
-              <a:t>2018/12/18</a:t>
+              <a:t>2019/1/10</a:t>
             </a:fld>
             <a:endParaRPr kumimoji="1" lang="ja-JP" altLang="en-US"/>
           </a:p>
@@ -2647,7 +2647,7 @@
           <a:p>
             <a:fld id="{2921519D-86BB-414E-9FF5-E7DCE9E22D90}" type="datetimeFigureOut">
               <a:rPr kumimoji="1" lang="ja-JP" altLang="en-US" smtClean="0"/>
-              <a:t>2018/12/18</a:t>
+              <a:t>2019/1/10</a:t>
             </a:fld>
             <a:endParaRPr kumimoji="1" lang="ja-JP" altLang="en-US"/>
           </a:p>
@@ -2935,7 +2935,7 @@
           <a:p>
             <a:fld id="{2921519D-86BB-414E-9FF5-E7DCE9E22D90}" type="datetimeFigureOut">
               <a:rPr kumimoji="1" lang="ja-JP" altLang="en-US" smtClean="0"/>
-              <a:t>2018/12/18</a:t>
+              <a:t>2019/1/10</a:t>
             </a:fld>
             <a:endParaRPr kumimoji="1" lang="ja-JP" altLang="en-US"/>
           </a:p>
@@ -3208,7 +3208,7 @@
           <a:p>
             <a:fld id="{2921519D-86BB-414E-9FF5-E7DCE9E22D90}" type="datetimeFigureOut">
               <a:rPr kumimoji="1" lang="ja-JP" altLang="en-US" smtClean="0"/>
-              <a:t>2018/12/18</a:t>
+              <a:t>2019/1/10</a:t>
             </a:fld>
             <a:endParaRPr kumimoji="1" lang="ja-JP" altLang="en-US"/>
           </a:p>
@@ -3699,10 +3699,10 @@
       </p:sp>
       <p:pic>
         <p:nvPicPr>
-          <p:cNvPr id="5" name="図 4">
-            <a:extLst>
-              <a:ext uri="{FF2B5EF4-FFF2-40B4-BE49-F238E27FC236}">
-                <a16:creationId xmlns:a16="http://schemas.microsoft.com/office/drawing/2014/main" id="{D2AA02EF-4BCC-40E6-A46D-4DEDD55F6EE3}"/>
+          <p:cNvPr id="8" name="図 7">
+            <a:extLst>
+              <a:ext uri="{FF2B5EF4-FFF2-40B4-BE49-F238E27FC236}">
+                <a16:creationId xmlns:a16="http://schemas.microsoft.com/office/drawing/2014/main" id="{BED71A49-DAE5-4FC7-B7EF-E762C35BEF8A}"/>
               </a:ext>
             </a:extLst>
           </p:cNvPr>
@@ -3719,7 +3719,7 @@
         </p:blipFill>
         <p:spPr>
           <a:xfrm>
-            <a:off x="6173715" y="1653406"/>
+            <a:off x="6516115" y="1489509"/>
             <a:ext cx="4877815" cy="3551187"/>
           </a:xfrm>
           <a:prstGeom prst="rect">
@@ -3729,10 +3729,10 @@
       </p:pic>
       <p:pic>
         <p:nvPicPr>
-          <p:cNvPr id="2" name="図 1">
-            <a:extLst>
-              <a:ext uri="{FF2B5EF4-FFF2-40B4-BE49-F238E27FC236}">
-                <a16:creationId xmlns:a16="http://schemas.microsoft.com/office/drawing/2014/main" id="{82392188-78D3-43EB-8A3A-4A4979ED2700}"/>
+          <p:cNvPr id="10" name="図 9">
+            <a:extLst>
+              <a:ext uri="{FF2B5EF4-FFF2-40B4-BE49-F238E27FC236}">
+                <a16:creationId xmlns:a16="http://schemas.microsoft.com/office/drawing/2014/main" id="{55C06794-AA26-48D8-AA4F-AEF2F0ABECDF}"/>
               </a:ext>
             </a:extLst>
           </p:cNvPr>
@@ -3749,8 +3749,8 @@
         </p:blipFill>
         <p:spPr>
           <a:xfrm>
-            <a:off x="1451952" y="1653406"/>
-            <a:ext cx="4902211" cy="3551187"/>
+            <a:off x="1400660" y="1489509"/>
+            <a:ext cx="4877815" cy="3551187"/>
           </a:xfrm>
           <a:prstGeom prst="rect">
             <a:avLst/>
